--- a/poster/DSP Project Poster.pptx
+++ b/poster/DSP Project Poster.pptx
@@ -3218,7 +3218,7 @@
             <a:pPr algn="ctr"/>
             <a:r>
               <a:rPr lang="en-US" sz="6000" b="1" dirty="0"/>
-              <a:t>Grant Brown, Thomas Warren, Rick</a:t>
+              <a:t>Grant Brown, Thomas Warren, Rick Lyon</a:t>
             </a:r>
           </a:p>
           <a:p>
@@ -3317,7 +3317,7 @@
         </p:nvCxnSpPr>
         <p:spPr>
           <a:xfrm>
-            <a:off x="12496800" y="5023961"/>
+            <a:off x="12496800" y="5105400"/>
             <a:ext cx="0" cy="27813000"/>
           </a:xfrm>
           <a:prstGeom prst="line">
@@ -3927,12 +3927,6 @@
                             <a:rPr lang="en-US" sz="3200" i="1">
                               <a:latin typeface="Cambria Math" panose="02040503050406030204" pitchFamily="18" charset="0"/>
                             </a:rPr>
-                            <m:t>[</m:t>
-                          </m:r>
-                          <m:r>
-                            <a:rPr lang="en-US" sz="3200" i="1">
-                              <a:latin typeface="Cambria Math" panose="02040503050406030204" pitchFamily="18" charset="0"/>
-                            </a:rPr>
                             <m:t>𝑤</m:t>
                           </m:r>
                           <m:d>
@@ -3980,7 +3974,7 @@
                 </a:pPr>
                 <a:r>
                   <a:rPr lang="en-US" sz="3000" dirty="0"/>
-                  <a:t> Ideal filters require non-casual infinite impulse response (IIR) systems, which are not physically realizable</a:t>
+                  <a:t> Ideal filters require non-causal infinite impulse response (IIR) systems, which are not physically realizable</a:t>
                 </a:r>
               </a:p>
               <a:p>
@@ -5233,7 +5227,7 @@
             <p:spPr>
               <a:xfrm>
                 <a:off x="689811" y="22948007"/>
-                <a:ext cx="11218779" cy="1920240"/>
+                <a:ext cx="11218779" cy="2139047"/>
               </a:xfrm>
               <a:prstGeom prst="rect">
                 <a:avLst/>
@@ -5368,26 +5362,27 @@
                             </m:r>
                           </m:sub>
                         </m:sSub>
+                        <m:d>
+                          <m:dPr>
+                            <m:begChr m:val="["/>
+                            <m:endChr m:val="]"/>
+                            <m:ctrlPr>
+                              <a:rPr lang="en-US" sz="2800" i="1">
+                                <a:latin typeface="Cambria Math" panose="02040503050406030204" pitchFamily="18" charset="0"/>
+                              </a:rPr>
+                            </m:ctrlPr>
+                          </m:dPr>
+                          <m:e>
+                            <m:r>
+                              <a:rPr lang="en-US" sz="2800" i="1">
+                                <a:latin typeface="Cambria Math" panose="02040503050406030204" pitchFamily="18" charset="0"/>
+                              </a:rPr>
+                              <m:t>𝑘</m:t>
+                            </m:r>
+                          </m:e>
+                        </m:d>
                         <m:r>
-                          <a:rPr lang="en-US" sz="2800" i="1">
-                            <a:latin typeface="Cambria Math" panose="02040503050406030204" pitchFamily="18" charset="0"/>
-                          </a:rPr>
-                          <m:t>[</m:t>
-                        </m:r>
-                        <m:r>
-                          <a:rPr lang="en-US" sz="2800" i="1">
-                            <a:latin typeface="Cambria Math" panose="02040503050406030204" pitchFamily="18" charset="0"/>
-                          </a:rPr>
-                          <m:t>𝑘</m:t>
-                        </m:r>
-                        <m:r>
-                          <a:rPr lang="en-US" sz="2800" i="1">
-                            <a:latin typeface="Cambria Math" panose="02040503050406030204" pitchFamily="18" charset="0"/>
-                          </a:rPr>
-                          <m:t>][</m:t>
-                        </m:r>
-                        <m:r>
-                          <a:rPr lang="en-US" sz="2800" i="1">
+                          <a:rPr lang="en-US" sz="2800" b="0" i="1" smtClean="0">
                             <a:latin typeface="Cambria Math" panose="02040503050406030204" pitchFamily="18" charset="0"/>
                           </a:rPr>
                           <m:t>𝑥</m:t>
@@ -5560,7 +5555,7 @@
                           <a:rPr lang="en-US" sz="2800" i="1">
                             <a:latin typeface="Cambria Math" panose="02040503050406030204" pitchFamily="18" charset="0"/>
                           </a:rPr>
-                          <m:t>][</m:t>
+                          <m:t>]</m:t>
                         </m:r>
                         <m:r>
                           <a:rPr lang="en-US" sz="2800" b="0" i="1" smtClean="0">
@@ -5814,7 +5809,7 @@
             <p:spPr>
               <a:xfrm>
                 <a:off x="689811" y="22948007"/>
-                <a:ext cx="11218779" cy="1920240"/>
+                <a:ext cx="11218779" cy="2139047"/>
               </a:xfrm>
               <a:prstGeom prst="rect">
                 <a:avLst/>
@@ -5822,7 +5817,7 @@
               <a:blipFill>
                 <a:blip r:embed="rId5"/>
                 <a:stretch>
-                  <a:fillRect t="-26623" b="-16234"/>
+                  <a:fillRect t="-23837" b="-4070"/>
                 </a:stretch>
               </a:blipFill>
               <a:ln w="25400">
@@ -6773,7 +6768,7 @@
                           <a:rPr lang="en-US" sz="2800" i="1">
                             <a:latin typeface="Cambria Math" panose="02040503050406030204" pitchFamily="18" charset="0"/>
                           </a:rPr>
-                          <m:t>][</m:t>
+                          <m:t>]</m:t>
                         </m:r>
                         <m:r>
                           <a:rPr lang="en-US" sz="2800" i="1">
@@ -8990,6 +8985,13 @@
                             </a:rPr>
                             <m:t>𝑛</m:t>
                           </m:r>
+                          <m:r>
+                            <a:rPr lang="en-US" sz="2800" b="0" i="1" smtClean="0">
+                              <a:latin typeface="Cambria Math" panose="02040503050406030204" pitchFamily="18" charset="0"/>
+                              <a:ea typeface="Cambria Math" panose="02040503050406030204" pitchFamily="18" charset="0"/>
+                            </a:rPr>
+                            <m:t>−22</m:t>
+                          </m:r>
                         </m:e>
                       </m:d>
                     </m:oMath>
@@ -9513,18 +9515,6 @@
                       </a:rPr>
                       <m:t>𝑥</m:t>
                     </m:r>
-                    <m:r>
-                      <a:rPr lang="en-US" sz="2800" b="0" i="1" smtClean="0">
-                        <a:latin typeface="Cambria Math" panose="02040503050406030204" pitchFamily="18" charset="0"/>
-                      </a:rPr>
-                      <m:t>−</m:t>
-                    </m:r>
-                    <m:r>
-                      <a:rPr lang="en-US" sz="2800" b="0" i="1" smtClean="0">
-                        <a:latin typeface="Cambria Math" panose="02040503050406030204" pitchFamily="18" charset="0"/>
-                      </a:rPr>
-                      <m:t>𝑥</m:t>
-                    </m:r>
                     <m:d>
                       <m:dPr>
                         <m:begChr m:val="["/>
@@ -9660,7 +9650,7 @@
                           <a:rPr lang="en-US" sz="2800" i="1">
                             <a:latin typeface="Cambria Math" panose="02040503050406030204" pitchFamily="18" charset="0"/>
                           </a:rPr>
-                          <m:t>][</m:t>
+                          <m:t>]</m:t>
                         </m:r>
                         <m:r>
                           <a:rPr lang="en-US" sz="2800" i="1">
